--- a/Documents/王琛越个人演示.pptx
+++ b/Documents/王琛越个人演示.pptx
@@ -18,6 +18,11 @@
     <p:sldId id="482" r:id="rId12"/>
     <p:sldId id="483" r:id="rId13"/>
     <p:sldId id="484" r:id="rId14"/>
+    <p:sldId id="486" r:id="rId15"/>
+    <p:sldId id="487" r:id="rId16"/>
+    <p:sldId id="488" r:id="rId17"/>
+    <p:sldId id="489" r:id="rId18"/>
+    <p:sldId id="490" r:id="rId19"/>
   </p:sldIdLst>
   <p:sldSz cx="12192000" cy="6858000"/>
   <p:notesSz cx="6858000" cy="9144000"/>
@@ -116,6 +121,11 @@
       </a:defRPr>
     </a:lvl9pPr>
   </p:defaultTextStyle>
+  <p:extLst>
+    <p:ext uri="{EFAFB233-063F-42B5-8137-9DF3F51BA10A}">
+      <p15:sldGuideLst xmlns:p15="http://schemas.microsoft.com/office/powerpoint/2012/main"/>
+    </p:ext>
+  </p:extLst>
 </p:presentation>
 </file>
 
@@ -262,7 +272,7 @@
               <a:pPr>
                 <a:defRPr/>
               </a:pPr>
-              <a:t>2020-06-30</a:t>
+              <a:t>2020-07-01</a:t>
             </a:fld>
             <a:endParaRPr lang="zh-CN" altLang="en-US"/>
           </a:p>
@@ -481,7 +491,7 @@
               <a:pPr>
                 <a:defRPr/>
               </a:pPr>
-              <a:t>2020-06-30</a:t>
+              <a:t>2020-07-01</a:t>
             </a:fld>
             <a:endParaRPr lang="zh-CN" altLang="en-US"/>
           </a:p>
@@ -710,7 +720,7 @@
               <a:pPr>
                 <a:defRPr/>
               </a:pPr>
-              <a:t>2020-06-30</a:t>
+              <a:t>2020-07-01</a:t>
             </a:fld>
             <a:endParaRPr lang="zh-CN" altLang="en-US"/>
           </a:p>
@@ -947,7 +957,7 @@
               <a:pPr>
                 <a:defRPr/>
               </a:pPr>
-              <a:t>2020-06-30</a:t>
+              <a:t>2020-07-01</a:t>
             </a:fld>
             <a:endParaRPr lang="zh-CN" altLang="en-US"/>
           </a:p>
@@ -1166,7 +1176,7 @@
               <a:pPr>
                 <a:defRPr/>
               </a:pPr>
-              <a:t>2020-06-30</a:t>
+              <a:t>2020-07-01</a:t>
             </a:fld>
             <a:endParaRPr lang="zh-CN" altLang="en-US"/>
           </a:p>
@@ -1408,7 +1418,7 @@
               <a:pPr>
                 <a:defRPr/>
               </a:pPr>
-              <a:t>2020-06-30</a:t>
+              <a:t>2020-07-01</a:t>
             </a:fld>
             <a:endParaRPr lang="zh-CN" altLang="en-US"/>
           </a:p>
@@ -1744,7 +1754,7 @@
               <a:pPr>
                 <a:defRPr/>
               </a:pPr>
-              <a:t>2020-06-30</a:t>
+              <a:t>2020-07-01</a:t>
             </a:fld>
             <a:endParaRPr lang="zh-CN" altLang="en-US"/>
           </a:p>
@@ -2214,7 +2224,7 @@
               <a:pPr>
                 <a:defRPr/>
               </a:pPr>
-              <a:t>2020-06-30</a:t>
+              <a:t>2020-07-01</a:t>
             </a:fld>
             <a:endParaRPr lang="zh-CN" altLang="en-US"/>
           </a:p>
@@ -2382,7 +2392,7 @@
               <a:pPr>
                 <a:defRPr/>
               </a:pPr>
-              <a:t>2020-06-30</a:t>
+              <a:t>2020-07-01</a:t>
             </a:fld>
             <a:endParaRPr lang="zh-CN" altLang="en-US"/>
           </a:p>
@@ -2528,7 +2538,7 @@
               <a:pPr>
                 <a:defRPr/>
               </a:pPr>
-              <a:t>2020-06-30</a:t>
+              <a:t>2020-07-01</a:t>
             </a:fld>
             <a:endParaRPr lang="zh-CN" altLang="en-US"/>
           </a:p>
@@ -2854,7 +2864,7 @@
               <a:pPr>
                 <a:defRPr/>
               </a:pPr>
-              <a:t>2020-06-30</a:t>
+              <a:t>2020-07-01</a:t>
             </a:fld>
             <a:endParaRPr lang="zh-CN" altLang="en-US"/>
           </a:p>
@@ -3073,7 +3083,7 @@
               <a:pPr>
                 <a:defRPr/>
               </a:pPr>
-              <a:t>2020-06-30</a:t>
+              <a:t>2020-07-01</a:t>
             </a:fld>
             <a:endParaRPr lang="zh-CN" altLang="en-US"/>
           </a:p>
@@ -3377,7 +3387,7 @@
               <a:pPr>
                 <a:defRPr/>
               </a:pPr>
-              <a:t>2020-06-30</a:t>
+              <a:t>2020-07-01</a:t>
             </a:fld>
             <a:endParaRPr lang="zh-CN" altLang="en-US"/>
           </a:p>
@@ -3596,7 +3606,7 @@
               <a:pPr>
                 <a:defRPr/>
               </a:pPr>
-              <a:t>2020-06-30</a:t>
+              <a:t>2020-07-01</a:t>
             </a:fld>
             <a:endParaRPr lang="zh-CN" altLang="en-US"/>
           </a:p>
@@ -3825,7 +3835,7 @@
               <a:pPr>
                 <a:defRPr/>
               </a:pPr>
-              <a:t>2020-06-30</a:t>
+              <a:t>2020-07-01</a:t>
             </a:fld>
             <a:endParaRPr lang="zh-CN" altLang="en-US"/>
           </a:p>
@@ -4067,7 +4077,7 @@
               <a:pPr>
                 <a:defRPr/>
               </a:pPr>
-              <a:t>2020-06-30</a:t>
+              <a:t>2020-07-01</a:t>
             </a:fld>
             <a:endParaRPr lang="zh-CN" altLang="en-US"/>
           </a:p>
@@ -4403,7 +4413,7 @@
               <a:pPr>
                 <a:defRPr/>
               </a:pPr>
-              <a:t>2020-06-30</a:t>
+              <a:t>2020-07-01</a:t>
             </a:fld>
             <a:endParaRPr lang="zh-CN" altLang="en-US"/>
           </a:p>
@@ -4873,7 +4883,7 @@
               <a:pPr>
                 <a:defRPr/>
               </a:pPr>
-              <a:t>2020-06-30</a:t>
+              <a:t>2020-07-01</a:t>
             </a:fld>
             <a:endParaRPr lang="zh-CN" altLang="en-US"/>
           </a:p>
@@ -5041,7 +5051,7 @@
               <a:pPr>
                 <a:defRPr/>
               </a:pPr>
-              <a:t>2020-06-30</a:t>
+              <a:t>2020-07-01</a:t>
             </a:fld>
             <a:endParaRPr lang="zh-CN" altLang="en-US"/>
           </a:p>
@@ -5187,7 +5197,7 @@
               <a:pPr>
                 <a:defRPr/>
               </a:pPr>
-              <a:t>2020-06-30</a:t>
+              <a:t>2020-07-01</a:t>
             </a:fld>
             <a:endParaRPr lang="zh-CN" altLang="en-US"/>
           </a:p>
@@ -5513,7 +5523,7 @@
               <a:pPr>
                 <a:defRPr/>
               </a:pPr>
-              <a:t>2020-06-30</a:t>
+              <a:t>2020-07-01</a:t>
             </a:fld>
             <a:endParaRPr lang="zh-CN" altLang="en-US"/>
           </a:p>
@@ -5817,7 +5827,7 @@
               <a:pPr>
                 <a:defRPr/>
               </a:pPr>
-              <a:t>2020-06-30</a:t>
+              <a:t>2020-07-01</a:t>
             </a:fld>
             <a:endParaRPr lang="zh-CN" altLang="en-US"/>
           </a:p>
@@ -6144,7 +6154,7 @@
               <a:pPr>
                 <a:defRPr/>
               </a:pPr>
-              <a:t>2020-06-30</a:t>
+              <a:t>2020-07-01</a:t>
             </a:fld>
             <a:endParaRPr lang="zh-CN" altLang="en-US"/>
           </a:p>
@@ -6890,7 +6900,7 @@
               <a:pPr>
                 <a:defRPr/>
               </a:pPr>
-              <a:t>2020-06-30</a:t>
+              <a:t>2020-07-01</a:t>
             </a:fld>
             <a:endParaRPr lang="zh-CN" altLang="en-US"/>
           </a:p>
@@ -14680,6 +14690,564 @@
         </p:spPr>
       </p:pic>
     </p:spTree>
+  </p:cSld>
+  <p:clrMapOvr>
+    <a:masterClrMapping/>
+  </p:clrMapOvr>
+</p:sld>
+</file>
+
+<file path=ppt/slides/slide13.xml><?xml version="1.0" encoding="utf-8"?>
+<p:sld xmlns:a="http://schemas.openxmlformats.org/drawingml/2006/main" xmlns:r="http://schemas.openxmlformats.org/officeDocument/2006/relationships" xmlns:p="http://schemas.openxmlformats.org/presentationml/2006/main">
+  <p:cSld>
+    <p:spTree>
+      <p:nvGrpSpPr>
+        <p:cNvPr id="1" name=""/>
+        <p:cNvGrpSpPr/>
+        <p:nvPr/>
+      </p:nvGrpSpPr>
+      <p:grpSpPr>
+        <a:xfrm>
+          <a:off x="0" y="0"/>
+          <a:ext cx="0" cy="0"/>
+          <a:chOff x="0" y="0"/>
+          <a:chExt cx="0" cy="0"/>
+        </a:xfrm>
+      </p:grpSpPr>
+      <p:pic>
+        <p:nvPicPr>
+          <p:cNvPr id="3" name="图片 2">
+            <a:extLst>
+              <a:ext uri="{FF2B5EF4-FFF2-40B4-BE49-F238E27FC236}">
+                <a16:creationId xmlns:a16="http://schemas.microsoft.com/office/drawing/2014/main" id="{61151C39-7D80-4528-97A7-DAAC7A9B632B}"/>
+              </a:ext>
+            </a:extLst>
+          </p:cNvPr>
+          <p:cNvPicPr>
+            <a:picLocks noChangeAspect="1"/>
+          </p:cNvPicPr>
+          <p:nvPr/>
+        </p:nvPicPr>
+        <p:blipFill>
+          <a:blip r:embed="rId2">
+            <a:extLst>
+              <a:ext uri="{28A0092B-C50C-407E-A947-70E740481C1C}">
+                <a14:useLocalDpi xmlns:a14="http://schemas.microsoft.com/office/drawing/2010/main" val="0"/>
+              </a:ext>
+            </a:extLst>
+          </a:blip>
+          <a:stretch>
+            <a:fillRect/>
+          </a:stretch>
+        </p:blipFill>
+        <p:spPr>
+          <a:xfrm>
+            <a:off x="1853670" y="876300"/>
+            <a:ext cx="8010525" cy="5105400"/>
+          </a:xfrm>
+          <a:prstGeom prst="rect">
+            <a:avLst/>
+          </a:prstGeom>
+        </p:spPr>
+      </p:pic>
+      <p:sp>
+        <p:nvSpPr>
+          <p:cNvPr id="4" name="文本框 3">
+            <a:extLst>
+              <a:ext uri="{FF2B5EF4-FFF2-40B4-BE49-F238E27FC236}">
+                <a16:creationId xmlns:a16="http://schemas.microsoft.com/office/drawing/2014/main" id="{23AF7FDC-2643-431C-B664-B8B3DF5A5B39}"/>
+              </a:ext>
+            </a:extLst>
+          </p:cNvPr>
+          <p:cNvSpPr txBox="1"/>
+          <p:nvPr/>
+        </p:nvSpPr>
+        <p:spPr>
+          <a:xfrm>
+            <a:off x="427638" y="304800"/>
+            <a:ext cx="2852063" cy="369332"/>
+          </a:xfrm>
+          <a:prstGeom prst="rect">
+            <a:avLst/>
+          </a:prstGeom>
+          <a:noFill/>
+        </p:spPr>
+        <p:txBody>
+          <a:bodyPr wrap="none" rtlCol="0">
+            <a:spAutoFit/>
+          </a:bodyPr>
+          <a:lstStyle/>
+          <a:p>
+            <a:r>
+              <a:rPr lang="zh-CN" altLang="en-US" b="1" dirty="0"/>
+              <a:t>关键代码展示（</a:t>
+            </a:r>
+            <a:r>
+              <a:rPr lang="en-US" altLang="zh-CN" b="1" dirty="0"/>
+              <a:t>1</a:t>
+            </a:r>
+            <a:r>
+              <a:rPr lang="zh-CN" altLang="en-US" b="1" dirty="0"/>
+              <a:t>）：注册</a:t>
+            </a:r>
+          </a:p>
+        </p:txBody>
+      </p:sp>
+    </p:spTree>
+    <p:extLst>
+      <p:ext uri="{BB962C8B-B14F-4D97-AF65-F5344CB8AC3E}">
+        <p14:creationId xmlns:p14="http://schemas.microsoft.com/office/powerpoint/2010/main" val="1774671395"/>
+      </p:ext>
+    </p:extLst>
+  </p:cSld>
+  <p:clrMapOvr>
+    <a:masterClrMapping/>
+  </p:clrMapOvr>
+</p:sld>
+</file>
+
+<file path=ppt/slides/slide14.xml><?xml version="1.0" encoding="utf-8"?>
+<p:sld xmlns:a="http://schemas.openxmlformats.org/drawingml/2006/main" xmlns:r="http://schemas.openxmlformats.org/officeDocument/2006/relationships" xmlns:p="http://schemas.openxmlformats.org/presentationml/2006/main">
+  <p:cSld>
+    <p:spTree>
+      <p:nvGrpSpPr>
+        <p:cNvPr id="1" name=""/>
+        <p:cNvGrpSpPr/>
+        <p:nvPr/>
+      </p:nvGrpSpPr>
+      <p:grpSpPr>
+        <a:xfrm>
+          <a:off x="0" y="0"/>
+          <a:ext cx="0" cy="0"/>
+          <a:chOff x="0" y="0"/>
+          <a:chExt cx="0" cy="0"/>
+        </a:xfrm>
+      </p:grpSpPr>
+      <p:pic>
+        <p:nvPicPr>
+          <p:cNvPr id="3" name="图片 2">
+            <a:extLst>
+              <a:ext uri="{FF2B5EF4-FFF2-40B4-BE49-F238E27FC236}">
+                <a16:creationId xmlns:a16="http://schemas.microsoft.com/office/drawing/2014/main" id="{01AFC13C-B4BD-4699-9013-EDBC77FE2A82}"/>
+              </a:ext>
+            </a:extLst>
+          </p:cNvPr>
+          <p:cNvPicPr>
+            <a:picLocks noChangeAspect="1"/>
+          </p:cNvPicPr>
+          <p:nvPr/>
+        </p:nvPicPr>
+        <p:blipFill>
+          <a:blip r:embed="rId2">
+            <a:extLst>
+              <a:ext uri="{28A0092B-C50C-407E-A947-70E740481C1C}">
+                <a14:useLocalDpi xmlns:a14="http://schemas.microsoft.com/office/drawing/2010/main" val="0"/>
+              </a:ext>
+            </a:extLst>
+          </a:blip>
+          <a:stretch>
+            <a:fillRect/>
+          </a:stretch>
+        </p:blipFill>
+        <p:spPr>
+          <a:xfrm>
+            <a:off x="687122" y="1472141"/>
+            <a:ext cx="10963443" cy="3667126"/>
+          </a:xfrm>
+          <a:prstGeom prst="rect">
+            <a:avLst/>
+          </a:prstGeom>
+        </p:spPr>
+      </p:pic>
+      <p:sp>
+        <p:nvSpPr>
+          <p:cNvPr id="7" name="文本框 6">
+            <a:extLst>
+              <a:ext uri="{FF2B5EF4-FFF2-40B4-BE49-F238E27FC236}">
+                <a16:creationId xmlns:a16="http://schemas.microsoft.com/office/drawing/2014/main" id="{641944CC-412C-4225-8692-E70763134EE4}"/>
+              </a:ext>
+            </a:extLst>
+          </p:cNvPr>
+          <p:cNvSpPr txBox="1"/>
+          <p:nvPr/>
+        </p:nvSpPr>
+        <p:spPr>
+          <a:xfrm>
+            <a:off x="609600" y="592667"/>
+            <a:ext cx="3799438" cy="646331"/>
+          </a:xfrm>
+          <a:prstGeom prst="rect">
+            <a:avLst/>
+          </a:prstGeom>
+          <a:noFill/>
+        </p:spPr>
+        <p:txBody>
+          <a:bodyPr wrap="none" rtlCol="0">
+            <a:spAutoFit/>
+          </a:bodyPr>
+          <a:lstStyle/>
+          <a:p>
+            <a:r>
+              <a:rPr lang="zh-CN" altLang="en-US" b="1" dirty="0"/>
+              <a:t>关键代码展示（</a:t>
+            </a:r>
+            <a:r>
+              <a:rPr lang="en-US" altLang="zh-CN" b="1" dirty="0"/>
+              <a:t>2</a:t>
+            </a:r>
+            <a:r>
+              <a:rPr lang="zh-CN" altLang="en-US" b="1" dirty="0"/>
+              <a:t>）：搜索记录相关</a:t>
+            </a:r>
+          </a:p>
+          <a:p>
+            <a:endParaRPr lang="zh-CN" altLang="en-US" dirty="0"/>
+          </a:p>
+        </p:txBody>
+      </p:sp>
+    </p:spTree>
+    <p:extLst>
+      <p:ext uri="{BB962C8B-B14F-4D97-AF65-F5344CB8AC3E}">
+        <p14:creationId xmlns:p14="http://schemas.microsoft.com/office/powerpoint/2010/main" val="3782159864"/>
+      </p:ext>
+    </p:extLst>
+  </p:cSld>
+  <p:clrMapOvr>
+    <a:masterClrMapping/>
+  </p:clrMapOvr>
+</p:sld>
+</file>
+
+<file path=ppt/slides/slide15.xml><?xml version="1.0" encoding="utf-8"?>
+<p:sld xmlns:a="http://schemas.openxmlformats.org/drawingml/2006/main" xmlns:r="http://schemas.openxmlformats.org/officeDocument/2006/relationships" xmlns:p="http://schemas.openxmlformats.org/presentationml/2006/main">
+  <p:cSld>
+    <p:spTree>
+      <p:nvGrpSpPr>
+        <p:cNvPr id="1" name=""/>
+        <p:cNvGrpSpPr/>
+        <p:nvPr/>
+      </p:nvGrpSpPr>
+      <p:grpSpPr>
+        <a:xfrm>
+          <a:off x="0" y="0"/>
+          <a:ext cx="0" cy="0"/>
+          <a:chOff x="0" y="0"/>
+          <a:chExt cx="0" cy="0"/>
+        </a:xfrm>
+      </p:grpSpPr>
+      <p:pic>
+        <p:nvPicPr>
+          <p:cNvPr id="3" name="图片 2">
+            <a:extLst>
+              <a:ext uri="{FF2B5EF4-FFF2-40B4-BE49-F238E27FC236}">
+                <a16:creationId xmlns:a16="http://schemas.microsoft.com/office/drawing/2014/main" id="{8C83775E-CB7B-4DA2-859E-DE6EEECDAA06}"/>
+              </a:ext>
+            </a:extLst>
+          </p:cNvPr>
+          <p:cNvPicPr>
+            <a:picLocks noChangeAspect="1"/>
+          </p:cNvPicPr>
+          <p:nvPr/>
+        </p:nvPicPr>
+        <p:blipFill>
+          <a:blip r:embed="rId2">
+            <a:extLst>
+              <a:ext uri="{28A0092B-C50C-407E-A947-70E740481C1C}">
+                <a14:useLocalDpi xmlns:a14="http://schemas.microsoft.com/office/drawing/2010/main" val="0"/>
+              </a:ext>
+            </a:extLst>
+          </a:blip>
+          <a:stretch>
+            <a:fillRect/>
+          </a:stretch>
+        </p:blipFill>
+        <p:spPr>
+          <a:xfrm>
+            <a:off x="1037165" y="923924"/>
+            <a:ext cx="10172603" cy="5527675"/>
+          </a:xfrm>
+          <a:prstGeom prst="rect">
+            <a:avLst/>
+          </a:prstGeom>
+        </p:spPr>
+      </p:pic>
+      <p:sp>
+        <p:nvSpPr>
+          <p:cNvPr id="4" name="文本框 3">
+            <a:extLst>
+              <a:ext uri="{FF2B5EF4-FFF2-40B4-BE49-F238E27FC236}">
+                <a16:creationId xmlns:a16="http://schemas.microsoft.com/office/drawing/2014/main" id="{A01B86BA-232F-4530-BEFC-0B9957260E4F}"/>
+              </a:ext>
+            </a:extLst>
+          </p:cNvPr>
+          <p:cNvSpPr txBox="1"/>
+          <p:nvPr/>
+        </p:nvSpPr>
+        <p:spPr>
+          <a:xfrm>
+            <a:off x="584200" y="406400"/>
+            <a:ext cx="4031873" cy="646331"/>
+          </a:xfrm>
+          <a:prstGeom prst="rect">
+            <a:avLst/>
+          </a:prstGeom>
+          <a:noFill/>
+        </p:spPr>
+        <p:txBody>
+          <a:bodyPr wrap="none" rtlCol="0">
+            <a:spAutoFit/>
+          </a:bodyPr>
+          <a:lstStyle/>
+          <a:p>
+            <a:r>
+              <a:rPr lang="zh-CN" altLang="en-US" b="1" dirty="0"/>
+              <a:t>关键代码展示（</a:t>
+            </a:r>
+            <a:r>
+              <a:rPr lang="en-US" altLang="zh-CN" b="1" dirty="0"/>
+              <a:t>3</a:t>
+            </a:r>
+            <a:r>
+              <a:rPr lang="zh-CN" altLang="en-US" b="1" dirty="0"/>
+              <a:t>）：小组页面的创建</a:t>
+            </a:r>
+          </a:p>
+          <a:p>
+            <a:endParaRPr lang="zh-CN" altLang="en-US" dirty="0"/>
+          </a:p>
+        </p:txBody>
+      </p:sp>
+    </p:spTree>
+    <p:extLst>
+      <p:ext uri="{BB962C8B-B14F-4D97-AF65-F5344CB8AC3E}">
+        <p14:creationId xmlns:p14="http://schemas.microsoft.com/office/powerpoint/2010/main" val="4046681512"/>
+      </p:ext>
+    </p:extLst>
+  </p:cSld>
+  <p:clrMapOvr>
+    <a:masterClrMapping/>
+  </p:clrMapOvr>
+</p:sld>
+</file>
+
+<file path=ppt/slides/slide16.xml><?xml version="1.0" encoding="utf-8"?>
+<p:sld xmlns:a="http://schemas.openxmlformats.org/drawingml/2006/main" xmlns:r="http://schemas.openxmlformats.org/officeDocument/2006/relationships" xmlns:p="http://schemas.openxmlformats.org/presentationml/2006/main">
+  <p:cSld>
+    <p:spTree>
+      <p:nvGrpSpPr>
+        <p:cNvPr id="1" name=""/>
+        <p:cNvGrpSpPr/>
+        <p:nvPr/>
+      </p:nvGrpSpPr>
+      <p:grpSpPr>
+        <a:xfrm>
+          <a:off x="0" y="0"/>
+          <a:ext cx="0" cy="0"/>
+          <a:chOff x="0" y="0"/>
+          <a:chExt cx="0" cy="0"/>
+        </a:xfrm>
+      </p:grpSpPr>
+      <p:pic>
+        <p:nvPicPr>
+          <p:cNvPr id="3" name="图片 2">
+            <a:extLst>
+              <a:ext uri="{FF2B5EF4-FFF2-40B4-BE49-F238E27FC236}">
+                <a16:creationId xmlns:a16="http://schemas.microsoft.com/office/drawing/2014/main" id="{1F5ACAA2-9D18-43C7-845B-747122782858}"/>
+              </a:ext>
+            </a:extLst>
+          </p:cNvPr>
+          <p:cNvPicPr>
+            <a:picLocks noChangeAspect="1"/>
+          </p:cNvPicPr>
+          <p:nvPr/>
+        </p:nvPicPr>
+        <p:blipFill>
+          <a:blip r:embed="rId2">
+            <a:extLst>
+              <a:ext uri="{28A0092B-C50C-407E-A947-70E740481C1C}">
+                <a14:useLocalDpi xmlns:a14="http://schemas.microsoft.com/office/drawing/2010/main" val="0"/>
+              </a:ext>
+            </a:extLst>
+          </a:blip>
+          <a:stretch>
+            <a:fillRect/>
+          </a:stretch>
+        </p:blipFill>
+        <p:spPr>
+          <a:xfrm>
+            <a:off x="2481791" y="904345"/>
+            <a:ext cx="6399742" cy="5831124"/>
+          </a:xfrm>
+          <a:prstGeom prst="rect">
+            <a:avLst/>
+          </a:prstGeom>
+        </p:spPr>
+      </p:pic>
+      <p:sp>
+        <p:nvSpPr>
+          <p:cNvPr id="4" name="文本框 3">
+            <a:extLst>
+              <a:ext uri="{FF2B5EF4-FFF2-40B4-BE49-F238E27FC236}">
+                <a16:creationId xmlns:a16="http://schemas.microsoft.com/office/drawing/2014/main" id="{41DFC86C-4A94-420C-A028-1C3F3B219E99}"/>
+              </a:ext>
+            </a:extLst>
+          </p:cNvPr>
+          <p:cNvSpPr txBox="1"/>
+          <p:nvPr/>
+        </p:nvSpPr>
+        <p:spPr>
+          <a:xfrm>
+            <a:off x="601133" y="364067"/>
+            <a:ext cx="4264309" cy="369332"/>
+          </a:xfrm>
+          <a:prstGeom prst="rect">
+            <a:avLst/>
+          </a:prstGeom>
+          <a:noFill/>
+        </p:spPr>
+        <p:txBody>
+          <a:bodyPr wrap="none" rtlCol="0">
+            <a:spAutoFit/>
+          </a:bodyPr>
+          <a:lstStyle/>
+          <a:p>
+            <a:r>
+              <a:rPr lang="zh-CN" altLang="en-US" b="1" dirty="0"/>
+              <a:t>关键代码展示（</a:t>
+            </a:r>
+            <a:r>
+              <a:rPr lang="en-US" altLang="zh-CN" b="1" dirty="0"/>
+              <a:t>4</a:t>
+            </a:r>
+            <a:r>
+              <a:rPr lang="zh-CN" altLang="en-US" b="1" dirty="0"/>
+              <a:t>）：小组页面处理逻辑</a:t>
+            </a:r>
+            <a:endParaRPr lang="zh-CN" altLang="en-US" dirty="0"/>
+          </a:p>
+        </p:txBody>
+      </p:sp>
+    </p:spTree>
+    <p:extLst>
+      <p:ext uri="{BB962C8B-B14F-4D97-AF65-F5344CB8AC3E}">
+        <p14:creationId xmlns:p14="http://schemas.microsoft.com/office/powerpoint/2010/main" val="4068728897"/>
+      </p:ext>
+    </p:extLst>
+  </p:cSld>
+  <p:clrMapOvr>
+    <a:masterClrMapping/>
+  </p:clrMapOvr>
+</p:sld>
+</file>
+
+<file path=ppt/slides/slide17.xml><?xml version="1.0" encoding="utf-8"?>
+<p:sld xmlns:a="http://schemas.openxmlformats.org/drawingml/2006/main" xmlns:r="http://schemas.openxmlformats.org/officeDocument/2006/relationships" xmlns:p="http://schemas.openxmlformats.org/presentationml/2006/main">
+  <p:cSld>
+    <p:spTree>
+      <p:nvGrpSpPr>
+        <p:cNvPr id="1" name=""/>
+        <p:cNvGrpSpPr/>
+        <p:nvPr/>
+      </p:nvGrpSpPr>
+      <p:grpSpPr>
+        <a:xfrm>
+          <a:off x="0" y="0"/>
+          <a:ext cx="0" cy="0"/>
+          <a:chOff x="0" y="0"/>
+          <a:chExt cx="0" cy="0"/>
+        </a:xfrm>
+      </p:grpSpPr>
+      <p:pic>
+        <p:nvPicPr>
+          <p:cNvPr id="3" name="图片 2">
+            <a:extLst>
+              <a:ext uri="{FF2B5EF4-FFF2-40B4-BE49-F238E27FC236}">
+                <a16:creationId xmlns:a16="http://schemas.microsoft.com/office/drawing/2014/main" id="{BD7B83E7-DF87-4814-84B7-32939902F91E}"/>
+              </a:ext>
+            </a:extLst>
+          </p:cNvPr>
+          <p:cNvPicPr>
+            <a:picLocks noChangeAspect="1"/>
+          </p:cNvPicPr>
+          <p:nvPr/>
+        </p:nvPicPr>
+        <p:blipFill>
+          <a:blip r:embed="rId2">
+            <a:extLst>
+              <a:ext uri="{28A0092B-C50C-407E-A947-70E740481C1C}">
+                <a14:useLocalDpi xmlns:a14="http://schemas.microsoft.com/office/drawing/2010/main" val="0"/>
+              </a:ext>
+            </a:extLst>
+          </a:blip>
+          <a:stretch>
+            <a:fillRect/>
+          </a:stretch>
+        </p:blipFill>
+        <p:spPr>
+          <a:xfrm>
+            <a:off x="1038088" y="846666"/>
+            <a:ext cx="10115824" cy="5782734"/>
+          </a:xfrm>
+          <a:prstGeom prst="rect">
+            <a:avLst/>
+          </a:prstGeom>
+        </p:spPr>
+      </p:pic>
+      <p:sp>
+        <p:nvSpPr>
+          <p:cNvPr id="4" name="文本框 3">
+            <a:extLst>
+              <a:ext uri="{FF2B5EF4-FFF2-40B4-BE49-F238E27FC236}">
+                <a16:creationId xmlns:a16="http://schemas.microsoft.com/office/drawing/2014/main" id="{B5F8881E-A526-4F1C-8DCF-26E172E3B4D7}"/>
+              </a:ext>
+            </a:extLst>
+          </p:cNvPr>
+          <p:cNvSpPr txBox="1"/>
+          <p:nvPr/>
+        </p:nvSpPr>
+        <p:spPr>
+          <a:xfrm>
+            <a:off x="592666" y="228600"/>
+            <a:ext cx="3166251" cy="923330"/>
+          </a:xfrm>
+          <a:prstGeom prst="rect">
+            <a:avLst/>
+          </a:prstGeom>
+          <a:noFill/>
+        </p:spPr>
+        <p:txBody>
+          <a:bodyPr wrap="none" rtlCol="0">
+            <a:spAutoFit/>
+          </a:bodyPr>
+          <a:lstStyle/>
+          <a:p>
+            <a:r>
+              <a:rPr lang="zh-CN" altLang="en-US" b="1" dirty="0"/>
+              <a:t>关键代码展示（</a:t>
+            </a:r>
+            <a:r>
+              <a:rPr lang="en-US" altLang="zh-CN" b="1" dirty="0"/>
+              <a:t>5</a:t>
+            </a:r>
+            <a:r>
+              <a:rPr lang="zh-CN" altLang="en-US" b="1" dirty="0"/>
+              <a:t>）：数据库</a:t>
+            </a:r>
+          </a:p>
+          <a:p>
+            <a:endParaRPr lang="zh-CN" altLang="en-US" dirty="0"/>
+          </a:p>
+          <a:p>
+            <a:endParaRPr lang="zh-CN" altLang="en-US" dirty="0"/>
+          </a:p>
+        </p:txBody>
+      </p:sp>
+    </p:spTree>
+    <p:extLst>
+      <p:ext uri="{BB962C8B-B14F-4D97-AF65-F5344CB8AC3E}">
+        <p14:creationId xmlns:p14="http://schemas.microsoft.com/office/powerpoint/2010/main" val="919064749"/>
+      </p:ext>
+    </p:extLst>
   </p:cSld>
   <p:clrMapOvr>
     <a:masterClrMapping/>
